--- a/AudioLang.pptx
+++ b/AudioLang.pptx
@@ -137,6 +137,8 @@
 <p1510:revInfo xmlns:a="http://schemas.openxmlformats.org/drawingml/2006/main" xmlns:r="http://schemas.openxmlformats.org/officeDocument/2006/relationships" xmlns:p1510="http://schemas.microsoft.com/office/powerpoint/2015/10/main">
   <p1510:revLst>
     <p1510:client id="{7C338611-894C-177D-EE1C-A2EF7DBEB4FE}" v="626" dt="2024-06-05T10:57:17.753"/>
+    <p1510:client id="{8D02CBF7-A068-180F-3CD1-2C899B889994}" v="3" dt="2024-06-05T11:25:30.630"/>
+    <p1510:client id="{97BD8945-CFAE-41EC-6580-A5FCD546B708}" v="50" dt="2024-06-05T11:28:00.611"/>
   </p1510:revLst>
 </p1510:revInfo>
 </file>
@@ -1306,6 +1308,54 @@
           </pc:sldLayoutMkLst>
         </pc:sldLayoutChg>
       </pc:sldMasterChg>
+    </pc:docChg>
+  </pc:docChgLst>
+  <pc:docChgLst>
+    <pc:chgData name="Rafael Eli Katri" userId="S::rafaelek2@al.insper.edu.br::8b24d38f-f973-476b-a536-2a56c1ef329d" providerId="AD" clId="Web-{8D02CBF7-A068-180F-3CD1-2C899B889994}"/>
+    <pc:docChg chg="modSld">
+      <pc:chgData name="Rafael Eli Katri" userId="S::rafaelek2@al.insper.edu.br::8b24d38f-f973-476b-a536-2a56c1ef329d" providerId="AD" clId="Web-{8D02CBF7-A068-180F-3CD1-2C899B889994}" dt="2024-06-05T11:25:30.630" v="2" actId="20577"/>
+      <pc:docMkLst>
+        <pc:docMk/>
+      </pc:docMkLst>
+      <pc:sldChg chg="modSp">
+        <pc:chgData name="Rafael Eli Katri" userId="S::rafaelek2@al.insper.edu.br::8b24d38f-f973-476b-a536-2a56c1ef329d" providerId="AD" clId="Web-{8D02CBF7-A068-180F-3CD1-2C899B889994}" dt="2024-06-05T11:25:30.630" v="2" actId="20577"/>
+        <pc:sldMkLst>
+          <pc:docMk/>
+          <pc:sldMk cId="2796040751" sldId="262"/>
+        </pc:sldMkLst>
+        <pc:spChg chg="mod">
+          <ac:chgData name="Rafael Eli Katri" userId="S::rafaelek2@al.insper.edu.br::8b24d38f-f973-476b-a536-2a56c1ef329d" providerId="AD" clId="Web-{8D02CBF7-A068-180F-3CD1-2C899B889994}" dt="2024-06-05T11:25:30.630" v="2" actId="20577"/>
+          <ac:spMkLst>
+            <pc:docMk/>
+            <pc:sldMk cId="2796040751" sldId="262"/>
+            <ac:spMk id="3" creationId="{D273BE11-FF7F-0BB2-EBC6-746BF9206B74}"/>
+          </ac:spMkLst>
+        </pc:spChg>
+      </pc:sldChg>
+    </pc:docChg>
+  </pc:docChgLst>
+  <pc:docChgLst>
+    <pc:chgData name="Rafael Eli Katri" userId="S::rafaelek2@al.insper.edu.br::8b24d38f-f973-476b-a536-2a56c1ef329d" providerId="AD" clId="Web-{97BD8945-CFAE-41EC-6580-A5FCD546B708}"/>
+    <pc:docChg chg="modSld">
+      <pc:chgData name="Rafael Eli Katri" userId="S::rafaelek2@al.insper.edu.br::8b24d38f-f973-476b-a536-2a56c1ef329d" providerId="AD" clId="Web-{97BD8945-CFAE-41EC-6580-A5FCD546B708}" dt="2024-06-05T11:28:00.439" v="48" actId="20577"/>
+      <pc:docMkLst>
+        <pc:docMk/>
+      </pc:docMkLst>
+      <pc:sldChg chg="modSp">
+        <pc:chgData name="Rafael Eli Katri" userId="S::rafaelek2@al.insper.edu.br::8b24d38f-f973-476b-a536-2a56c1ef329d" providerId="AD" clId="Web-{97BD8945-CFAE-41EC-6580-A5FCD546B708}" dt="2024-06-05T11:28:00.439" v="48" actId="20577"/>
+        <pc:sldMkLst>
+          <pc:docMk/>
+          <pc:sldMk cId="2796040751" sldId="262"/>
+        </pc:sldMkLst>
+        <pc:spChg chg="mod">
+          <ac:chgData name="Rafael Eli Katri" userId="S::rafaelek2@al.insper.edu.br::8b24d38f-f973-476b-a536-2a56c1ef329d" providerId="AD" clId="Web-{97BD8945-CFAE-41EC-6580-A5FCD546B708}" dt="2024-06-05T11:28:00.439" v="48" actId="20577"/>
+          <ac:spMkLst>
+            <pc:docMk/>
+            <pc:sldMk cId="2796040751" sldId="262"/>
+            <ac:spMk id="3" creationId="{D273BE11-FF7F-0BB2-EBC6-746BF9206B74}"/>
+          </ac:spMkLst>
+        </pc:spChg>
+      </pc:sldChg>
     </pc:docChg>
   </pc:docChgLst>
 </pc:chgInfo>
@@ -8466,7 +8516,7 @@
           </a:xfrm>
         </p:spPr>
         <p:txBody>
-          <a:bodyPr vert="horz" lIns="91440" tIns="45720" rIns="91440" bIns="45720" rtlCol="0">
+          <a:bodyPr vert="horz" lIns="91440" tIns="45720" rIns="91440" bIns="45720" rtlCol="0" anchor="t">
             <a:normAutofit/>
           </a:bodyPr>
           <a:lstStyle/>
@@ -8520,7 +8570,7 @@
               <a:t>Statements de </a:t>
             </a:r>
             <a:r>
-              <a:rPr lang="en-US" err="1"/>
+              <a:rPr lang="en-US" dirty="0" err="1"/>
               <a:t>interação</a:t>
             </a:r>
             <a:r>
@@ -8528,7 +8578,7 @@
               <a:t> com </a:t>
             </a:r>
             <a:r>
-              <a:rPr lang="en-US" err="1"/>
+              <a:rPr lang="en-US" dirty="0" err="1"/>
               <a:t>áudio</a:t>
             </a:r>
             <a:r>
@@ -8588,6 +8638,68 @@
             <a:r>
               <a:rPr lang="en-US" dirty="0"/>
               <a:t> .. , insert .. at ..</a:t>
+            </a:r>
+          </a:p>
+          <a:p>
+            <a:r>
+              <a:rPr lang="en-US" dirty="0" err="1"/>
+              <a:t>Observação</a:t>
+            </a:r>
+            <a:r>
+              <a:rPr lang="en-US" dirty="0"/>
+              <a:t>: no </a:t>
+            </a:r>
+            <a:r>
+              <a:rPr lang="en-US" dirty="0" err="1"/>
+              <a:t>momento</a:t>
+            </a:r>
+            <a:r>
+              <a:rPr lang="en-US" dirty="0"/>
+              <a:t>, </a:t>
+            </a:r>
+            <a:r>
+              <a:rPr lang="en-US" dirty="0" err="1"/>
+              <a:t>apenas</a:t>
+            </a:r>
+            <a:r>
+              <a:rPr lang="en-US" dirty="0"/>
+              <a:t> </a:t>
+            </a:r>
+            <a:r>
+              <a:rPr lang="en-US" dirty="0" err="1"/>
+              <a:t>arquivos</a:t>
+            </a:r>
+            <a:r>
+              <a:rPr lang="en-US" dirty="0"/>
+              <a:t> .mp3 </a:t>
+            </a:r>
+            <a:r>
+              <a:rPr lang="en-US" dirty="0" err="1"/>
+              <a:t>funcionam</a:t>
+            </a:r>
+            <a:r>
+              <a:rPr lang="en-US" dirty="0"/>
+              <a:t> </a:t>
+            </a:r>
+            <a:r>
+              <a:rPr lang="en-US" dirty="0" err="1"/>
+              <a:t>como</a:t>
+            </a:r>
+            <a:r>
+              <a:rPr lang="en-US" dirty="0"/>
+              <a:t> </a:t>
+            </a:r>
+            <a:r>
+              <a:rPr lang="en-US" dirty="0" err="1"/>
+              <a:t>fonte</a:t>
+            </a:r>
+            <a:r>
+              <a:rPr lang="en-US" dirty="0"/>
+              <a:t> de </a:t>
+            </a:r>
+            <a:r>
+              <a:rPr lang="en-US" dirty="0" err="1"/>
+              <a:t>áudio</a:t>
             </a:r>
           </a:p>
         </p:txBody>
